--- a/manuscript/fig_data/Fig8.pptx
+++ b/manuscript/fig_data/Fig8.pptx
@@ -34,7 +34,7 @@
       </p:grpSpPr>
       <p:sp>
         <p:nvSpPr>
-          <p:cNvPr id="39" name="PlaceHolder 1"/>
+          <p:cNvPr id="41" name="PlaceHolder 1"/>
           <p:cNvSpPr>
             <a:spLocks noGrp="1"/>
           </p:cNvSpPr>
@@ -60,19 +60,16 @@
             <a:noAutofit/>
           </a:bodyPr>
           <a:p>
+            <a:pPr algn="ctr">
+              <a:buNone/>
+            </a:pPr>
             <a:r>
-              <a:rPr b="0" lang="fi-FI" sz="1850" spc="-1" strike="noStrike">
-                <a:solidFill>
-                  <a:srgbClr val="000000"/>
-                </a:solidFill>
+              <a:rPr b="0" lang="en-GB" sz="4400" spc="-1" strike="noStrike">
                 <a:latin typeface="Arial"/>
               </a:rPr>
               <a:t>Click to move the slide</a:t>
             </a:r>
-            <a:endParaRPr b="0" lang="fi-FI" sz="1850" spc="-1" strike="noStrike">
-              <a:solidFill>
-                <a:srgbClr val="000000"/>
-              </a:solidFill>
+            <a:endParaRPr b="0" lang="en-GB" sz="4400" spc="-1" strike="noStrike">
               <a:latin typeface="Arial"/>
             </a:endParaRPr>
           </a:p>
@@ -80,7 +77,7 @@
       </p:sp>
       <p:sp>
         <p:nvSpPr>
-          <p:cNvPr id="40" name="PlaceHolder 2"/>
+          <p:cNvPr id="42" name="PlaceHolder 2"/>
           <p:cNvSpPr>
             <a:spLocks noGrp="1"/>
           </p:cNvSpPr>
@@ -120,7 +117,7 @@
       </p:sp>
       <p:sp>
         <p:nvSpPr>
-          <p:cNvPr id="41" name="PlaceHolder 3"/>
+          <p:cNvPr id="43" name="PlaceHolder 3"/>
           <p:cNvSpPr>
             <a:spLocks noGrp="1"/>
           </p:cNvSpPr>
@@ -160,7 +157,7 @@
       </p:sp>
       <p:sp>
         <p:nvSpPr>
-          <p:cNvPr id="42" name="PlaceHolder 4"/>
+          <p:cNvPr id="44" name="PlaceHolder 4"/>
           <p:cNvSpPr>
             <a:spLocks noGrp="1"/>
           </p:cNvSpPr>
@@ -211,7 +208,7 @@
       </p:sp>
       <p:sp>
         <p:nvSpPr>
-          <p:cNvPr id="43" name="PlaceHolder 5"/>
+          <p:cNvPr id="45" name="PlaceHolder 5"/>
           <p:cNvSpPr>
             <a:spLocks noGrp="1"/>
           </p:cNvSpPr>
@@ -258,7 +255,7 @@
       </p:sp>
       <p:sp>
         <p:nvSpPr>
-          <p:cNvPr id="44" name="PlaceHolder 6"/>
+          <p:cNvPr id="46" name="PlaceHolder 6"/>
           <p:cNvSpPr>
             <a:spLocks noGrp="1"/>
           </p:cNvSpPr>
@@ -295,7 +292,7 @@
             <a:pPr algn="r">
               <a:buNone/>
             </a:pPr>
-            <a:fld id="{560D92F8-794A-488A-9A66-BC0274E50699}" type="slidenum">
+            <a:fld id="{C6FCF11C-2B12-4B0F-A1A1-CCED3DEE0236}" type="slidenum">
               <a:rPr b="0" lang="en-GB" sz="1400" spc="-1" strike="noStrike">
                 <a:latin typeface="Times New Roman"/>
               </a:rPr>
@@ -332,7 +329,7 @@
       </p:grpSpPr>
       <p:sp>
         <p:nvSpPr>
-          <p:cNvPr id="88" name="PlaceHolder 1"/>
+          <p:cNvPr id="90" name="PlaceHolder 1"/>
           <p:cNvSpPr>
             <a:spLocks noGrp="1"/>
           </p:cNvSpPr>
@@ -343,7 +340,7 @@
         <p:spPr>
           <a:xfrm>
             <a:off x="1973160" y="812880"/>
-            <a:ext cx="3612960" cy="4008240"/>
+            <a:ext cx="3612240" cy="4007520"/>
           </a:xfrm>
           <a:prstGeom prst="rect">
             <a:avLst/>
@@ -355,7 +352,7 @@
       </p:sp>
       <p:sp>
         <p:nvSpPr>
-          <p:cNvPr id="89" name="PlaceHolder 2"/>
+          <p:cNvPr id="91" name="PlaceHolder 2"/>
           <p:cNvSpPr>
             <a:spLocks noGrp="1"/>
           </p:cNvSpPr>
@@ -366,7 +363,7 @@
         <p:spPr>
           <a:xfrm>
             <a:off x="756000" y="5078520"/>
-            <a:ext cx="6046560" cy="4809960"/>
+            <a:ext cx="6045840" cy="4809240"/>
           </a:xfrm>
           <a:prstGeom prst="rect">
             <a:avLst/>
@@ -389,7 +386,7 @@
       </p:sp>
       <p:sp>
         <p:nvSpPr>
-          <p:cNvPr id="90" name="PlaceHolder 3"/>
+          <p:cNvPr id="92" name="PlaceHolder 3"/>
           <p:cNvSpPr>
             <a:spLocks noGrp="1"/>
           </p:cNvSpPr>
@@ -400,7 +397,7 @@
         <p:spPr>
           <a:xfrm>
             <a:off x="4278960" y="10157400"/>
-            <a:ext cx="3279600" cy="533160"/>
+            <a:ext cx="3278880" cy="532440"/>
           </a:xfrm>
           <a:prstGeom prst="rect">
             <a:avLst/>
@@ -436,7 +433,7 @@
               </a:lnSpc>
               <a:buNone/>
             </a:pPr>
-            <a:fld id="{E90E4A7E-EB2F-4AE4-8E30-4BCE796A80B7}" type="slidenum">
+            <a:fld id="{5DBBACF9-4E77-4C8F-A2B8-1895A0930A6F}" type="slidenum">
               <a:rPr b="0" lang="en-GB" sz="1400" spc="-1" strike="noStrike">
                 <a:solidFill>
                   <a:srgbClr val="000000"/>
@@ -508,7 +505,7 @@
         <p:txBody>
           <a:bodyPr/>
           <a:p>
-            <a:fld id="{AB45A562-AD12-4175-9662-DE469CC315C1}" type="slidenum">
+            <a:fld id="{FD842375-A589-4029-BD00-8B1EBB75BD88}" type="slidenum">
               <a:t>&lt;#&gt;</a:t>
             </a:fld>
           </a:p>
@@ -559,7 +556,7 @@
       </p:grpSpPr>
       <p:sp>
         <p:nvSpPr>
-          <p:cNvPr id="24" name="PlaceHolder 1"/>
+          <p:cNvPr id="26" name="PlaceHolder 1"/>
           <p:cNvSpPr>
             <a:spLocks noGrp="1"/>
           </p:cNvSpPr>
@@ -585,10 +582,10 @@
             <a:noAutofit/>
           </a:bodyPr>
           <a:p>
-            <a:endParaRPr b="0" lang="fi-FI" sz="1850" spc="-1" strike="noStrike">
-              <a:solidFill>
-                <a:srgbClr val="000000"/>
-              </a:solidFill>
+            <a:pPr algn="ctr">
+              <a:buNone/>
+            </a:pPr>
+            <a:endParaRPr b="0" lang="en-GB" sz="4400" spc="-1" strike="noStrike">
               <a:latin typeface="Arial"/>
             </a:endParaRPr>
           </a:p>
@@ -596,7 +593,7 @@
       </p:sp>
       <p:sp>
         <p:nvSpPr>
-          <p:cNvPr id="25" name="PlaceHolder 2"/>
+          <p:cNvPr id="27" name="PlaceHolder 2"/>
           <p:cNvSpPr>
             <a:spLocks noGrp="1"/>
           </p:cNvSpPr>
@@ -622,19 +619,7 @@
             <a:normAutofit/>
           </a:bodyPr>
           <a:p>
-            <a:pPr>
-              <a:lnSpc>
-                <a:spcPct val="90000"/>
-              </a:lnSpc>
-              <a:spcBef>
-                <a:spcPts val="1417"/>
-              </a:spcBef>
-              <a:buNone/>
-            </a:pPr>
-            <a:endParaRPr b="0" lang="fi-FI" sz="2680" spc="-1" strike="noStrike">
-              <a:solidFill>
-                <a:srgbClr val="000000"/>
-              </a:solidFill>
+            <a:endParaRPr b="0" lang="en-GB" sz="3200" spc="-1" strike="noStrike">
               <a:latin typeface="Arial"/>
             </a:endParaRPr>
           </a:p>
@@ -642,7 +627,7 @@
       </p:sp>
       <p:sp>
         <p:nvSpPr>
-          <p:cNvPr id="26" name="PlaceHolder 3"/>
+          <p:cNvPr id="28" name="PlaceHolder 3"/>
           <p:cNvSpPr>
             <a:spLocks noGrp="1"/>
           </p:cNvSpPr>
@@ -668,19 +653,7 @@
             <a:normAutofit/>
           </a:bodyPr>
           <a:p>
-            <a:pPr>
-              <a:lnSpc>
-                <a:spcPct val="90000"/>
-              </a:lnSpc>
-              <a:spcBef>
-                <a:spcPts val="1417"/>
-              </a:spcBef>
-              <a:buNone/>
-            </a:pPr>
-            <a:endParaRPr b="0" lang="fi-FI" sz="2680" spc="-1" strike="noStrike">
-              <a:solidFill>
-                <a:srgbClr val="000000"/>
-              </a:solidFill>
+            <a:endParaRPr b="0" lang="en-GB" sz="3200" spc="-1" strike="noStrike">
               <a:latin typeface="Arial"/>
             </a:endParaRPr>
           </a:p>
@@ -720,7 +693,7 @@
         <p:txBody>
           <a:bodyPr/>
           <a:p>
-            <a:fld id="{9E0087AB-AA6F-4E42-93F0-2372D36B67FB}" type="slidenum">
+            <a:fld id="{94B2F0FC-77BD-4898-A87A-4BBE5D64AE2D}" type="slidenum">
               <a:t>&lt;#&gt;</a:t>
             </a:fld>
           </a:p>
@@ -771,7 +744,7 @@
       </p:grpSpPr>
       <p:sp>
         <p:nvSpPr>
-          <p:cNvPr id="27" name="PlaceHolder 1"/>
+          <p:cNvPr id="29" name="PlaceHolder 1"/>
           <p:cNvSpPr>
             <a:spLocks noGrp="1"/>
           </p:cNvSpPr>
@@ -797,10 +770,10 @@
             <a:noAutofit/>
           </a:bodyPr>
           <a:p>
-            <a:endParaRPr b="0" lang="fi-FI" sz="1850" spc="-1" strike="noStrike">
-              <a:solidFill>
-                <a:srgbClr val="000000"/>
-              </a:solidFill>
+            <a:pPr algn="ctr">
+              <a:buNone/>
+            </a:pPr>
+            <a:endParaRPr b="0" lang="en-GB" sz="4400" spc="-1" strike="noStrike">
               <a:latin typeface="Arial"/>
             </a:endParaRPr>
           </a:p>
@@ -808,7 +781,7 @@
       </p:sp>
       <p:sp>
         <p:nvSpPr>
-          <p:cNvPr id="28" name="PlaceHolder 2"/>
+          <p:cNvPr id="30" name="PlaceHolder 2"/>
           <p:cNvSpPr>
             <a:spLocks noGrp="1"/>
           </p:cNvSpPr>
@@ -834,19 +807,7 @@
             <a:normAutofit/>
           </a:bodyPr>
           <a:p>
-            <a:pPr>
-              <a:lnSpc>
-                <a:spcPct val="90000"/>
-              </a:lnSpc>
-              <a:spcBef>
-                <a:spcPts val="1417"/>
-              </a:spcBef>
-              <a:buNone/>
-            </a:pPr>
-            <a:endParaRPr b="0" lang="fi-FI" sz="2680" spc="-1" strike="noStrike">
-              <a:solidFill>
-                <a:srgbClr val="000000"/>
-              </a:solidFill>
+            <a:endParaRPr b="0" lang="en-GB" sz="3200" spc="-1" strike="noStrike">
               <a:latin typeface="Arial"/>
             </a:endParaRPr>
           </a:p>
@@ -854,7 +815,7 @@
       </p:sp>
       <p:sp>
         <p:nvSpPr>
-          <p:cNvPr id="29" name="PlaceHolder 3"/>
+          <p:cNvPr id="31" name="PlaceHolder 3"/>
           <p:cNvSpPr>
             <a:spLocks noGrp="1"/>
           </p:cNvSpPr>
@@ -880,19 +841,7 @@
             <a:normAutofit/>
           </a:bodyPr>
           <a:p>
-            <a:pPr>
-              <a:lnSpc>
-                <a:spcPct val="90000"/>
-              </a:lnSpc>
-              <a:spcBef>
-                <a:spcPts val="1417"/>
-              </a:spcBef>
-              <a:buNone/>
-            </a:pPr>
-            <a:endParaRPr b="0" lang="fi-FI" sz="2680" spc="-1" strike="noStrike">
-              <a:solidFill>
-                <a:srgbClr val="000000"/>
-              </a:solidFill>
+            <a:endParaRPr b="0" lang="en-GB" sz="3200" spc="-1" strike="noStrike">
               <a:latin typeface="Arial"/>
             </a:endParaRPr>
           </a:p>
@@ -900,7 +849,7 @@
       </p:sp>
       <p:sp>
         <p:nvSpPr>
-          <p:cNvPr id="30" name="PlaceHolder 4"/>
+          <p:cNvPr id="32" name="PlaceHolder 4"/>
           <p:cNvSpPr>
             <a:spLocks noGrp="1"/>
           </p:cNvSpPr>
@@ -926,19 +875,7 @@
             <a:normAutofit/>
           </a:bodyPr>
           <a:p>
-            <a:pPr>
-              <a:lnSpc>
-                <a:spcPct val="90000"/>
-              </a:lnSpc>
-              <a:spcBef>
-                <a:spcPts val="1417"/>
-              </a:spcBef>
-              <a:buNone/>
-            </a:pPr>
-            <a:endParaRPr b="0" lang="fi-FI" sz="2680" spc="-1" strike="noStrike">
-              <a:solidFill>
-                <a:srgbClr val="000000"/>
-              </a:solidFill>
+            <a:endParaRPr b="0" lang="en-GB" sz="3200" spc="-1" strike="noStrike">
               <a:latin typeface="Arial"/>
             </a:endParaRPr>
           </a:p>
@@ -946,7 +883,7 @@
       </p:sp>
       <p:sp>
         <p:nvSpPr>
-          <p:cNvPr id="31" name="PlaceHolder 5"/>
+          <p:cNvPr id="33" name="PlaceHolder 5"/>
           <p:cNvSpPr>
             <a:spLocks noGrp="1"/>
           </p:cNvSpPr>
@@ -972,19 +909,7 @@
             <a:normAutofit/>
           </a:bodyPr>
           <a:p>
-            <a:pPr>
-              <a:lnSpc>
-                <a:spcPct val="90000"/>
-              </a:lnSpc>
-              <a:spcBef>
-                <a:spcPts val="1417"/>
-              </a:spcBef>
-              <a:buNone/>
-            </a:pPr>
-            <a:endParaRPr b="0" lang="fi-FI" sz="2680" spc="-1" strike="noStrike">
-              <a:solidFill>
-                <a:srgbClr val="000000"/>
-              </a:solidFill>
+            <a:endParaRPr b="0" lang="en-GB" sz="3200" spc="-1" strike="noStrike">
               <a:latin typeface="Arial"/>
             </a:endParaRPr>
           </a:p>
@@ -1024,7 +949,7 @@
         <p:txBody>
           <a:bodyPr/>
           <a:p>
-            <a:fld id="{5EE0E01A-4B7A-4ECB-A5AF-D37FC59D4684}" type="slidenum">
+            <a:fld id="{E22F6D10-AD17-4C91-BCF0-1C3000AE7313}" type="slidenum">
               <a:t>&lt;#&gt;</a:t>
             </a:fld>
           </a:p>
@@ -1075,7 +1000,7 @@
       </p:grpSpPr>
       <p:sp>
         <p:nvSpPr>
-          <p:cNvPr id="32" name="PlaceHolder 1"/>
+          <p:cNvPr id="34" name="PlaceHolder 1"/>
           <p:cNvSpPr>
             <a:spLocks noGrp="1"/>
           </p:cNvSpPr>
@@ -1101,10 +1026,10 @@
             <a:noAutofit/>
           </a:bodyPr>
           <a:p>
-            <a:endParaRPr b="0" lang="fi-FI" sz="1850" spc="-1" strike="noStrike">
-              <a:solidFill>
-                <a:srgbClr val="000000"/>
-              </a:solidFill>
+            <a:pPr algn="ctr">
+              <a:buNone/>
+            </a:pPr>
+            <a:endParaRPr b="0" lang="en-GB" sz="4400" spc="-1" strike="noStrike">
               <a:latin typeface="Arial"/>
             </a:endParaRPr>
           </a:p>
@@ -1112,7 +1037,7 @@
       </p:sp>
       <p:sp>
         <p:nvSpPr>
-          <p:cNvPr id="33" name="PlaceHolder 2"/>
+          <p:cNvPr id="35" name="PlaceHolder 2"/>
           <p:cNvSpPr>
             <a:spLocks noGrp="1"/>
           </p:cNvSpPr>
@@ -1138,19 +1063,7 @@
             <a:normAutofit/>
           </a:bodyPr>
           <a:p>
-            <a:pPr>
-              <a:lnSpc>
-                <a:spcPct val="90000"/>
-              </a:lnSpc>
-              <a:spcBef>
-                <a:spcPts val="1417"/>
-              </a:spcBef>
-              <a:buNone/>
-            </a:pPr>
-            <a:endParaRPr b="0" lang="fi-FI" sz="2680" spc="-1" strike="noStrike">
-              <a:solidFill>
-                <a:srgbClr val="000000"/>
-              </a:solidFill>
+            <a:endParaRPr b="0" lang="en-GB" sz="3200" spc="-1" strike="noStrike">
               <a:latin typeface="Arial"/>
             </a:endParaRPr>
           </a:p>
@@ -1158,7 +1071,7 @@
       </p:sp>
       <p:sp>
         <p:nvSpPr>
-          <p:cNvPr id="34" name="PlaceHolder 3"/>
+          <p:cNvPr id="36" name="PlaceHolder 3"/>
           <p:cNvSpPr>
             <a:spLocks noGrp="1"/>
           </p:cNvSpPr>
@@ -1184,19 +1097,7 @@
             <a:normAutofit/>
           </a:bodyPr>
           <a:p>
-            <a:pPr>
-              <a:lnSpc>
-                <a:spcPct val="90000"/>
-              </a:lnSpc>
-              <a:spcBef>
-                <a:spcPts val="1417"/>
-              </a:spcBef>
-              <a:buNone/>
-            </a:pPr>
-            <a:endParaRPr b="0" lang="fi-FI" sz="2680" spc="-1" strike="noStrike">
-              <a:solidFill>
-                <a:srgbClr val="000000"/>
-              </a:solidFill>
+            <a:endParaRPr b="0" lang="en-GB" sz="3200" spc="-1" strike="noStrike">
               <a:latin typeface="Arial"/>
             </a:endParaRPr>
           </a:p>
@@ -1204,7 +1105,7 @@
       </p:sp>
       <p:sp>
         <p:nvSpPr>
-          <p:cNvPr id="35" name="PlaceHolder 4"/>
+          <p:cNvPr id="37" name="PlaceHolder 4"/>
           <p:cNvSpPr>
             <a:spLocks noGrp="1"/>
           </p:cNvSpPr>
@@ -1230,19 +1131,7 @@
             <a:normAutofit/>
           </a:bodyPr>
           <a:p>
-            <a:pPr>
-              <a:lnSpc>
-                <a:spcPct val="90000"/>
-              </a:lnSpc>
-              <a:spcBef>
-                <a:spcPts val="1417"/>
-              </a:spcBef>
-              <a:buNone/>
-            </a:pPr>
-            <a:endParaRPr b="0" lang="fi-FI" sz="2680" spc="-1" strike="noStrike">
-              <a:solidFill>
-                <a:srgbClr val="000000"/>
-              </a:solidFill>
+            <a:endParaRPr b="0" lang="en-GB" sz="3200" spc="-1" strike="noStrike">
               <a:latin typeface="Arial"/>
             </a:endParaRPr>
           </a:p>
@@ -1250,7 +1139,7 @@
       </p:sp>
       <p:sp>
         <p:nvSpPr>
-          <p:cNvPr id="36" name="PlaceHolder 5"/>
+          <p:cNvPr id="38" name="PlaceHolder 5"/>
           <p:cNvSpPr>
             <a:spLocks noGrp="1"/>
           </p:cNvSpPr>
@@ -1276,19 +1165,7 @@
             <a:normAutofit/>
           </a:bodyPr>
           <a:p>
-            <a:pPr>
-              <a:lnSpc>
-                <a:spcPct val="90000"/>
-              </a:lnSpc>
-              <a:spcBef>
-                <a:spcPts val="1417"/>
-              </a:spcBef>
-              <a:buNone/>
-            </a:pPr>
-            <a:endParaRPr b="0" lang="fi-FI" sz="2680" spc="-1" strike="noStrike">
-              <a:solidFill>
-                <a:srgbClr val="000000"/>
-              </a:solidFill>
+            <a:endParaRPr b="0" lang="en-GB" sz="3200" spc="-1" strike="noStrike">
               <a:latin typeface="Arial"/>
             </a:endParaRPr>
           </a:p>
@@ -1296,7 +1173,7 @@
       </p:sp>
       <p:sp>
         <p:nvSpPr>
-          <p:cNvPr id="37" name="PlaceHolder 6"/>
+          <p:cNvPr id="39" name="PlaceHolder 6"/>
           <p:cNvSpPr>
             <a:spLocks noGrp="1"/>
           </p:cNvSpPr>
@@ -1322,19 +1199,7 @@
             <a:normAutofit/>
           </a:bodyPr>
           <a:p>
-            <a:pPr>
-              <a:lnSpc>
-                <a:spcPct val="90000"/>
-              </a:lnSpc>
-              <a:spcBef>
-                <a:spcPts val="1417"/>
-              </a:spcBef>
-              <a:buNone/>
-            </a:pPr>
-            <a:endParaRPr b="0" lang="fi-FI" sz="2680" spc="-1" strike="noStrike">
-              <a:solidFill>
-                <a:srgbClr val="000000"/>
-              </a:solidFill>
+            <a:endParaRPr b="0" lang="en-GB" sz="3200" spc="-1" strike="noStrike">
               <a:latin typeface="Arial"/>
             </a:endParaRPr>
           </a:p>
@@ -1342,7 +1207,7 @@
       </p:sp>
       <p:sp>
         <p:nvSpPr>
-          <p:cNvPr id="38" name="PlaceHolder 7"/>
+          <p:cNvPr id="40" name="PlaceHolder 7"/>
           <p:cNvSpPr>
             <a:spLocks noGrp="1"/>
           </p:cNvSpPr>
@@ -1368,19 +1233,7 @@
             <a:normAutofit/>
           </a:bodyPr>
           <a:p>
-            <a:pPr>
-              <a:lnSpc>
-                <a:spcPct val="90000"/>
-              </a:lnSpc>
-              <a:spcBef>
-                <a:spcPts val="1417"/>
-              </a:spcBef>
-              <a:buNone/>
-            </a:pPr>
-            <a:endParaRPr b="0" lang="fi-FI" sz="2680" spc="-1" strike="noStrike">
-              <a:solidFill>
-                <a:srgbClr val="000000"/>
-              </a:solidFill>
+            <a:endParaRPr b="0" lang="en-GB" sz="3200" spc="-1" strike="noStrike">
               <a:latin typeface="Arial"/>
             </a:endParaRPr>
           </a:p>
@@ -1420,7 +1273,7 @@
         <p:txBody>
           <a:bodyPr/>
           <a:p>
-            <a:fld id="{F20E5DCB-15E0-4AA5-892B-DA369DD3982C}" type="slidenum">
+            <a:fld id="{7A41F415-0D83-4377-BA91-27F6A5CBF780}" type="slidenum">
               <a:t>&lt;#&gt;</a:t>
             </a:fld>
           </a:p>
@@ -1471,7 +1324,7 @@
       </p:grpSpPr>
       <p:sp>
         <p:nvSpPr>
-          <p:cNvPr id="3" name="PlaceHolder 1"/>
+          <p:cNvPr id="5" name="PlaceHolder 1"/>
           <p:cNvSpPr>
             <a:spLocks noGrp="1"/>
           </p:cNvSpPr>
@@ -1497,10 +1350,10 @@
             <a:noAutofit/>
           </a:bodyPr>
           <a:p>
-            <a:endParaRPr b="0" lang="fi-FI" sz="1850" spc="-1" strike="noStrike">
-              <a:solidFill>
-                <a:srgbClr val="000000"/>
-              </a:solidFill>
+            <a:pPr algn="ctr">
+              <a:buNone/>
+            </a:pPr>
+            <a:endParaRPr b="0" lang="en-GB" sz="4400" spc="-1" strike="noStrike">
               <a:latin typeface="Arial"/>
             </a:endParaRPr>
           </a:p>
@@ -1508,7 +1361,7 @@
       </p:sp>
       <p:sp>
         <p:nvSpPr>
-          <p:cNvPr id="4" name="PlaceHolder 2"/>
+          <p:cNvPr id="6" name="PlaceHolder 2"/>
           <p:cNvSpPr>
             <a:spLocks noGrp="1"/>
           </p:cNvSpPr>
@@ -1577,7 +1430,7 @@
         <p:txBody>
           <a:bodyPr/>
           <a:p>
-            <a:fld id="{3A903E79-06D5-491A-A488-FE1600A0ABA8}" type="slidenum">
+            <a:fld id="{3E1EECE2-CE7F-4934-95AF-DF405C7A7C05}" type="slidenum">
               <a:t>&lt;#&gt;</a:t>
             </a:fld>
           </a:p>
@@ -1628,7 +1481,7 @@
       </p:grpSpPr>
       <p:sp>
         <p:nvSpPr>
-          <p:cNvPr id="5" name="PlaceHolder 1"/>
+          <p:cNvPr id="7" name="PlaceHolder 1"/>
           <p:cNvSpPr>
             <a:spLocks noGrp="1"/>
           </p:cNvSpPr>
@@ -1654,10 +1507,10 @@
             <a:noAutofit/>
           </a:bodyPr>
           <a:p>
-            <a:endParaRPr b="0" lang="fi-FI" sz="1850" spc="-1" strike="noStrike">
-              <a:solidFill>
-                <a:srgbClr val="000000"/>
-              </a:solidFill>
+            <a:pPr algn="ctr">
+              <a:buNone/>
+            </a:pPr>
+            <a:endParaRPr b="0" lang="en-GB" sz="4400" spc="-1" strike="noStrike">
               <a:latin typeface="Arial"/>
             </a:endParaRPr>
           </a:p>
@@ -1665,7 +1518,7 @@
       </p:sp>
       <p:sp>
         <p:nvSpPr>
-          <p:cNvPr id="6" name="PlaceHolder 2"/>
+          <p:cNvPr id="8" name="PlaceHolder 2"/>
           <p:cNvSpPr>
             <a:spLocks noGrp="1"/>
           </p:cNvSpPr>
@@ -1691,19 +1544,7 @@
             <a:normAutofit/>
           </a:bodyPr>
           <a:p>
-            <a:pPr>
-              <a:lnSpc>
-                <a:spcPct val="90000"/>
-              </a:lnSpc>
-              <a:spcBef>
-                <a:spcPts val="1417"/>
-              </a:spcBef>
-              <a:buNone/>
-            </a:pPr>
-            <a:endParaRPr b="0" lang="fi-FI" sz="2680" spc="-1" strike="noStrike">
-              <a:solidFill>
-                <a:srgbClr val="000000"/>
-              </a:solidFill>
+            <a:endParaRPr b="0" lang="en-GB" sz="3200" spc="-1" strike="noStrike">
               <a:latin typeface="Arial"/>
             </a:endParaRPr>
           </a:p>
@@ -1743,7 +1584,7 @@
         <p:txBody>
           <a:bodyPr/>
           <a:p>
-            <a:fld id="{D1ED8900-30BB-4E3D-BAD2-E9783EE1B985}" type="slidenum">
+            <a:fld id="{80001E77-CEE4-4CAE-BFFE-C31748A5CF27}" type="slidenum">
               <a:t>&lt;#&gt;</a:t>
             </a:fld>
           </a:p>
@@ -1794,7 +1635,7 @@
       </p:grpSpPr>
       <p:sp>
         <p:nvSpPr>
-          <p:cNvPr id="7" name="PlaceHolder 1"/>
+          <p:cNvPr id="9" name="PlaceHolder 1"/>
           <p:cNvSpPr>
             <a:spLocks noGrp="1"/>
           </p:cNvSpPr>
@@ -1820,10 +1661,10 @@
             <a:noAutofit/>
           </a:bodyPr>
           <a:p>
-            <a:endParaRPr b="0" lang="fi-FI" sz="1850" spc="-1" strike="noStrike">
-              <a:solidFill>
-                <a:srgbClr val="000000"/>
-              </a:solidFill>
+            <a:pPr algn="ctr">
+              <a:buNone/>
+            </a:pPr>
+            <a:endParaRPr b="0" lang="en-GB" sz="4400" spc="-1" strike="noStrike">
               <a:latin typeface="Arial"/>
             </a:endParaRPr>
           </a:p>
@@ -1831,7 +1672,7 @@
       </p:sp>
       <p:sp>
         <p:nvSpPr>
-          <p:cNvPr id="8" name="PlaceHolder 2"/>
+          <p:cNvPr id="10" name="PlaceHolder 2"/>
           <p:cNvSpPr>
             <a:spLocks noGrp="1"/>
           </p:cNvSpPr>
@@ -1857,19 +1698,7 @@
             <a:normAutofit/>
           </a:bodyPr>
           <a:p>
-            <a:pPr>
-              <a:lnSpc>
-                <a:spcPct val="90000"/>
-              </a:lnSpc>
-              <a:spcBef>
-                <a:spcPts val="1417"/>
-              </a:spcBef>
-              <a:buNone/>
-            </a:pPr>
-            <a:endParaRPr b="0" lang="fi-FI" sz="2680" spc="-1" strike="noStrike">
-              <a:solidFill>
-                <a:srgbClr val="000000"/>
-              </a:solidFill>
+            <a:endParaRPr b="0" lang="en-GB" sz="3200" spc="-1" strike="noStrike">
               <a:latin typeface="Arial"/>
             </a:endParaRPr>
           </a:p>
@@ -1877,7 +1706,7 @@
       </p:sp>
       <p:sp>
         <p:nvSpPr>
-          <p:cNvPr id="9" name="PlaceHolder 3"/>
+          <p:cNvPr id="11" name="PlaceHolder 3"/>
           <p:cNvSpPr>
             <a:spLocks noGrp="1"/>
           </p:cNvSpPr>
@@ -1903,19 +1732,7 @@
             <a:normAutofit/>
           </a:bodyPr>
           <a:p>
-            <a:pPr>
-              <a:lnSpc>
-                <a:spcPct val="90000"/>
-              </a:lnSpc>
-              <a:spcBef>
-                <a:spcPts val="1417"/>
-              </a:spcBef>
-              <a:buNone/>
-            </a:pPr>
-            <a:endParaRPr b="0" lang="fi-FI" sz="2680" spc="-1" strike="noStrike">
-              <a:solidFill>
-                <a:srgbClr val="000000"/>
-              </a:solidFill>
+            <a:endParaRPr b="0" lang="en-GB" sz="3200" spc="-1" strike="noStrike">
               <a:latin typeface="Arial"/>
             </a:endParaRPr>
           </a:p>
@@ -1955,7 +1772,7 @@
         <p:txBody>
           <a:bodyPr/>
           <a:p>
-            <a:fld id="{9988403E-7F85-4272-A0A5-BAC7EF0413EE}" type="slidenum">
+            <a:fld id="{6C8CA978-6C8C-4884-9E41-4BAA044FC276}" type="slidenum">
               <a:t>&lt;#&gt;</a:t>
             </a:fld>
           </a:p>
@@ -2006,7 +1823,7 @@
       </p:grpSpPr>
       <p:sp>
         <p:nvSpPr>
-          <p:cNvPr id="10" name="PlaceHolder 1"/>
+          <p:cNvPr id="12" name="PlaceHolder 1"/>
           <p:cNvSpPr>
             <a:spLocks noGrp="1"/>
           </p:cNvSpPr>
@@ -2032,10 +1849,10 @@
             <a:noAutofit/>
           </a:bodyPr>
           <a:p>
-            <a:endParaRPr b="0" lang="fi-FI" sz="1850" spc="-1" strike="noStrike">
-              <a:solidFill>
-                <a:srgbClr val="000000"/>
-              </a:solidFill>
+            <a:pPr algn="ctr">
+              <a:buNone/>
+            </a:pPr>
+            <a:endParaRPr b="0" lang="en-GB" sz="4400" spc="-1" strike="noStrike">
               <a:latin typeface="Arial"/>
             </a:endParaRPr>
           </a:p>
@@ -2075,7 +1892,7 @@
         <p:txBody>
           <a:bodyPr/>
           <a:p>
-            <a:fld id="{2BF459A1-5332-4BA0-B6C4-497F412840CF}" type="slidenum">
+            <a:fld id="{FE934B75-A363-4537-8E80-477EE9864BB2}" type="slidenum">
               <a:t>&lt;#&gt;</a:t>
             </a:fld>
           </a:p>
@@ -2126,7 +1943,7 @@
       </p:grpSpPr>
       <p:sp>
         <p:nvSpPr>
-          <p:cNvPr id="11" name="PlaceHolder 1"/>
+          <p:cNvPr id="13" name="PlaceHolder 1"/>
           <p:cNvSpPr>
             <a:spLocks noGrp="1"/>
           </p:cNvSpPr>
@@ -2195,7 +2012,7 @@
         <p:txBody>
           <a:bodyPr/>
           <a:p>
-            <a:fld id="{5DE72E23-6931-4057-BDE3-EC35D2690F06}" type="slidenum">
+            <a:fld id="{F38EB441-C68A-4CBD-81BF-9D8E1D7A4E16}" type="slidenum">
               <a:t>&lt;#&gt;</a:t>
             </a:fld>
           </a:p>
@@ -2246,7 +2063,7 @@
       </p:grpSpPr>
       <p:sp>
         <p:nvSpPr>
-          <p:cNvPr id="12" name="PlaceHolder 1"/>
+          <p:cNvPr id="14" name="PlaceHolder 1"/>
           <p:cNvSpPr>
             <a:spLocks noGrp="1"/>
           </p:cNvSpPr>
@@ -2272,10 +2089,10 @@
             <a:noAutofit/>
           </a:bodyPr>
           <a:p>
-            <a:endParaRPr b="0" lang="fi-FI" sz="1850" spc="-1" strike="noStrike">
-              <a:solidFill>
-                <a:srgbClr val="000000"/>
-              </a:solidFill>
+            <a:pPr algn="ctr">
+              <a:buNone/>
+            </a:pPr>
+            <a:endParaRPr b="0" lang="en-GB" sz="4400" spc="-1" strike="noStrike">
               <a:latin typeface="Arial"/>
             </a:endParaRPr>
           </a:p>
@@ -2283,7 +2100,7 @@
       </p:sp>
       <p:sp>
         <p:nvSpPr>
-          <p:cNvPr id="13" name="PlaceHolder 2"/>
+          <p:cNvPr id="15" name="PlaceHolder 2"/>
           <p:cNvSpPr>
             <a:spLocks noGrp="1"/>
           </p:cNvSpPr>
@@ -2309,19 +2126,7 @@
             <a:normAutofit/>
           </a:bodyPr>
           <a:p>
-            <a:pPr>
-              <a:lnSpc>
-                <a:spcPct val="90000"/>
-              </a:lnSpc>
-              <a:spcBef>
-                <a:spcPts val="1417"/>
-              </a:spcBef>
-              <a:buNone/>
-            </a:pPr>
-            <a:endParaRPr b="0" lang="fi-FI" sz="2680" spc="-1" strike="noStrike">
-              <a:solidFill>
-                <a:srgbClr val="000000"/>
-              </a:solidFill>
+            <a:endParaRPr b="0" lang="en-GB" sz="3200" spc="-1" strike="noStrike">
               <a:latin typeface="Arial"/>
             </a:endParaRPr>
           </a:p>
@@ -2329,7 +2134,7 @@
       </p:sp>
       <p:sp>
         <p:nvSpPr>
-          <p:cNvPr id="14" name="PlaceHolder 3"/>
+          <p:cNvPr id="16" name="PlaceHolder 3"/>
           <p:cNvSpPr>
             <a:spLocks noGrp="1"/>
           </p:cNvSpPr>
@@ -2355,19 +2160,7 @@
             <a:normAutofit/>
           </a:bodyPr>
           <a:p>
-            <a:pPr>
-              <a:lnSpc>
-                <a:spcPct val="90000"/>
-              </a:lnSpc>
-              <a:spcBef>
-                <a:spcPts val="1417"/>
-              </a:spcBef>
-              <a:buNone/>
-            </a:pPr>
-            <a:endParaRPr b="0" lang="fi-FI" sz="2680" spc="-1" strike="noStrike">
-              <a:solidFill>
-                <a:srgbClr val="000000"/>
-              </a:solidFill>
+            <a:endParaRPr b="0" lang="en-GB" sz="3200" spc="-1" strike="noStrike">
               <a:latin typeface="Arial"/>
             </a:endParaRPr>
           </a:p>
@@ -2375,7 +2168,7 @@
       </p:sp>
       <p:sp>
         <p:nvSpPr>
-          <p:cNvPr id="15" name="PlaceHolder 4"/>
+          <p:cNvPr id="17" name="PlaceHolder 4"/>
           <p:cNvSpPr>
             <a:spLocks noGrp="1"/>
           </p:cNvSpPr>
@@ -2401,19 +2194,7 @@
             <a:normAutofit/>
           </a:bodyPr>
           <a:p>
-            <a:pPr>
-              <a:lnSpc>
-                <a:spcPct val="90000"/>
-              </a:lnSpc>
-              <a:spcBef>
-                <a:spcPts val="1417"/>
-              </a:spcBef>
-              <a:buNone/>
-            </a:pPr>
-            <a:endParaRPr b="0" lang="fi-FI" sz="2680" spc="-1" strike="noStrike">
-              <a:solidFill>
-                <a:srgbClr val="000000"/>
-              </a:solidFill>
+            <a:endParaRPr b="0" lang="en-GB" sz="3200" spc="-1" strike="noStrike">
               <a:latin typeface="Arial"/>
             </a:endParaRPr>
           </a:p>
@@ -2453,7 +2234,7 @@
         <p:txBody>
           <a:bodyPr/>
           <a:p>
-            <a:fld id="{344D55F8-3C2A-444E-B519-F33E1AA4BCAC}" type="slidenum">
+            <a:fld id="{85DDF32B-1FDD-4F03-80AE-876AF51AA967}" type="slidenum">
               <a:t>&lt;#&gt;</a:t>
             </a:fld>
           </a:p>
@@ -2504,7 +2285,7 @@
       </p:grpSpPr>
       <p:sp>
         <p:nvSpPr>
-          <p:cNvPr id="16" name="PlaceHolder 1"/>
+          <p:cNvPr id="18" name="PlaceHolder 1"/>
           <p:cNvSpPr>
             <a:spLocks noGrp="1"/>
           </p:cNvSpPr>
@@ -2530,10 +2311,10 @@
             <a:noAutofit/>
           </a:bodyPr>
           <a:p>
-            <a:endParaRPr b="0" lang="fi-FI" sz="1850" spc="-1" strike="noStrike">
-              <a:solidFill>
-                <a:srgbClr val="000000"/>
-              </a:solidFill>
+            <a:pPr algn="ctr">
+              <a:buNone/>
+            </a:pPr>
+            <a:endParaRPr b="0" lang="en-GB" sz="4400" spc="-1" strike="noStrike">
               <a:latin typeface="Arial"/>
             </a:endParaRPr>
           </a:p>
@@ -2541,7 +2322,7 @@
       </p:sp>
       <p:sp>
         <p:nvSpPr>
-          <p:cNvPr id="17" name="PlaceHolder 2"/>
+          <p:cNvPr id="19" name="PlaceHolder 2"/>
           <p:cNvSpPr>
             <a:spLocks noGrp="1"/>
           </p:cNvSpPr>
@@ -2567,19 +2348,7 @@
             <a:normAutofit/>
           </a:bodyPr>
           <a:p>
-            <a:pPr>
-              <a:lnSpc>
-                <a:spcPct val="90000"/>
-              </a:lnSpc>
-              <a:spcBef>
-                <a:spcPts val="1417"/>
-              </a:spcBef>
-              <a:buNone/>
-            </a:pPr>
-            <a:endParaRPr b="0" lang="fi-FI" sz="2680" spc="-1" strike="noStrike">
-              <a:solidFill>
-                <a:srgbClr val="000000"/>
-              </a:solidFill>
+            <a:endParaRPr b="0" lang="en-GB" sz="3200" spc="-1" strike="noStrike">
               <a:latin typeface="Arial"/>
             </a:endParaRPr>
           </a:p>
@@ -2587,7 +2356,7 @@
       </p:sp>
       <p:sp>
         <p:nvSpPr>
-          <p:cNvPr id="18" name="PlaceHolder 3"/>
+          <p:cNvPr id="20" name="PlaceHolder 3"/>
           <p:cNvSpPr>
             <a:spLocks noGrp="1"/>
           </p:cNvSpPr>
@@ -2613,19 +2382,7 @@
             <a:normAutofit/>
           </a:bodyPr>
           <a:p>
-            <a:pPr>
-              <a:lnSpc>
-                <a:spcPct val="90000"/>
-              </a:lnSpc>
-              <a:spcBef>
-                <a:spcPts val="1417"/>
-              </a:spcBef>
-              <a:buNone/>
-            </a:pPr>
-            <a:endParaRPr b="0" lang="fi-FI" sz="2680" spc="-1" strike="noStrike">
-              <a:solidFill>
-                <a:srgbClr val="000000"/>
-              </a:solidFill>
+            <a:endParaRPr b="0" lang="en-GB" sz="3200" spc="-1" strike="noStrike">
               <a:latin typeface="Arial"/>
             </a:endParaRPr>
           </a:p>
@@ -2633,7 +2390,7 @@
       </p:sp>
       <p:sp>
         <p:nvSpPr>
-          <p:cNvPr id="19" name="PlaceHolder 4"/>
+          <p:cNvPr id="21" name="PlaceHolder 4"/>
           <p:cNvSpPr>
             <a:spLocks noGrp="1"/>
           </p:cNvSpPr>
@@ -2659,19 +2416,7 @@
             <a:normAutofit/>
           </a:bodyPr>
           <a:p>
-            <a:pPr>
-              <a:lnSpc>
-                <a:spcPct val="90000"/>
-              </a:lnSpc>
-              <a:spcBef>
-                <a:spcPts val="1417"/>
-              </a:spcBef>
-              <a:buNone/>
-            </a:pPr>
-            <a:endParaRPr b="0" lang="fi-FI" sz="2680" spc="-1" strike="noStrike">
-              <a:solidFill>
-                <a:srgbClr val="000000"/>
-              </a:solidFill>
+            <a:endParaRPr b="0" lang="en-GB" sz="3200" spc="-1" strike="noStrike">
               <a:latin typeface="Arial"/>
             </a:endParaRPr>
           </a:p>
@@ -2711,7 +2456,7 @@
         <p:txBody>
           <a:bodyPr/>
           <a:p>
-            <a:fld id="{A6420F3C-D30C-4AFF-A390-1BDCBC03A7BE}" type="slidenum">
+            <a:fld id="{F451FA3B-7B6C-4D9B-8BFC-09092793FA98}" type="slidenum">
               <a:t>&lt;#&gt;</a:t>
             </a:fld>
           </a:p>
@@ -2762,7 +2507,7 @@
       </p:grpSpPr>
       <p:sp>
         <p:nvSpPr>
-          <p:cNvPr id="20" name="PlaceHolder 1"/>
+          <p:cNvPr id="22" name="PlaceHolder 1"/>
           <p:cNvSpPr>
             <a:spLocks noGrp="1"/>
           </p:cNvSpPr>
@@ -2788,10 +2533,10 @@
             <a:noAutofit/>
           </a:bodyPr>
           <a:p>
-            <a:endParaRPr b="0" lang="fi-FI" sz="1850" spc="-1" strike="noStrike">
-              <a:solidFill>
-                <a:srgbClr val="000000"/>
-              </a:solidFill>
+            <a:pPr algn="ctr">
+              <a:buNone/>
+            </a:pPr>
+            <a:endParaRPr b="0" lang="en-GB" sz="4400" spc="-1" strike="noStrike">
               <a:latin typeface="Arial"/>
             </a:endParaRPr>
           </a:p>
@@ -2799,7 +2544,7 @@
       </p:sp>
       <p:sp>
         <p:nvSpPr>
-          <p:cNvPr id="21" name="PlaceHolder 2"/>
+          <p:cNvPr id="23" name="PlaceHolder 2"/>
           <p:cNvSpPr>
             <a:spLocks noGrp="1"/>
           </p:cNvSpPr>
@@ -2825,19 +2570,7 @@
             <a:normAutofit/>
           </a:bodyPr>
           <a:p>
-            <a:pPr>
-              <a:lnSpc>
-                <a:spcPct val="90000"/>
-              </a:lnSpc>
-              <a:spcBef>
-                <a:spcPts val="1417"/>
-              </a:spcBef>
-              <a:buNone/>
-            </a:pPr>
-            <a:endParaRPr b="0" lang="fi-FI" sz="2680" spc="-1" strike="noStrike">
-              <a:solidFill>
-                <a:srgbClr val="000000"/>
-              </a:solidFill>
+            <a:endParaRPr b="0" lang="en-GB" sz="3200" spc="-1" strike="noStrike">
               <a:latin typeface="Arial"/>
             </a:endParaRPr>
           </a:p>
@@ -2845,7 +2578,7 @@
       </p:sp>
       <p:sp>
         <p:nvSpPr>
-          <p:cNvPr id="22" name="PlaceHolder 3"/>
+          <p:cNvPr id="24" name="PlaceHolder 3"/>
           <p:cNvSpPr>
             <a:spLocks noGrp="1"/>
           </p:cNvSpPr>
@@ -2871,19 +2604,7 @@
             <a:normAutofit/>
           </a:bodyPr>
           <a:p>
-            <a:pPr>
-              <a:lnSpc>
-                <a:spcPct val="90000"/>
-              </a:lnSpc>
-              <a:spcBef>
-                <a:spcPts val="1417"/>
-              </a:spcBef>
-              <a:buNone/>
-            </a:pPr>
-            <a:endParaRPr b="0" lang="fi-FI" sz="2680" spc="-1" strike="noStrike">
-              <a:solidFill>
-                <a:srgbClr val="000000"/>
-              </a:solidFill>
+            <a:endParaRPr b="0" lang="en-GB" sz="3200" spc="-1" strike="noStrike">
               <a:latin typeface="Arial"/>
             </a:endParaRPr>
           </a:p>
@@ -2891,7 +2612,7 @@
       </p:sp>
       <p:sp>
         <p:nvSpPr>
-          <p:cNvPr id="23" name="PlaceHolder 4"/>
+          <p:cNvPr id="25" name="PlaceHolder 4"/>
           <p:cNvSpPr>
             <a:spLocks noGrp="1"/>
           </p:cNvSpPr>
@@ -2917,19 +2638,7 @@
             <a:normAutofit/>
           </a:bodyPr>
           <a:p>
-            <a:pPr>
-              <a:lnSpc>
-                <a:spcPct val="90000"/>
-              </a:lnSpc>
-              <a:spcBef>
-                <a:spcPts val="1417"/>
-              </a:spcBef>
-              <a:buNone/>
-            </a:pPr>
-            <a:endParaRPr b="0" lang="fi-FI" sz="2680" spc="-1" strike="noStrike">
-              <a:solidFill>
-                <a:srgbClr val="000000"/>
-              </a:solidFill>
+            <a:endParaRPr b="0" lang="en-GB" sz="3200" spc="-1" strike="noStrike">
               <a:latin typeface="Arial"/>
             </a:endParaRPr>
           </a:p>
@@ -2969,7 +2678,7 @@
         <p:txBody>
           <a:bodyPr/>
           <a:p>
-            <a:fld id="{6536C7D3-AC27-4306-8833-17D53DB6AEEC}" type="slidenum">
+            <a:fld id="{469558D1-A217-46FE-B3BD-4E001F66F821}" type="slidenum">
               <a:t>&lt;#&gt;</a:t>
             </a:fld>
           </a:p>
@@ -3038,7 +2747,7 @@
         <p:spPr>
           <a:xfrm>
             <a:off x="2831760" y="8362440"/>
-            <a:ext cx="2613240" cy="613080"/>
+            <a:ext cx="2612520" cy="612360"/>
           </a:xfrm>
           <a:prstGeom prst="rect">
             <a:avLst/>
@@ -3103,7 +2812,7 @@
         <p:spPr>
           <a:xfrm>
             <a:off x="5936760" y="8362440"/>
-            <a:ext cx="1917720" cy="613080"/>
+            <a:ext cx="1917000" cy="612360"/>
           </a:xfrm>
           <a:prstGeom prst="rect">
             <a:avLst/>
@@ -3139,7 +2848,7 @@
               </a:lnSpc>
               <a:buNone/>
             </a:pPr>
-            <a:fld id="{98E2BAEA-FFC9-43D5-8130-BF6FF67EE546}" type="slidenum">
+            <a:fld id="{B9C162D2-3104-4220-BB1A-A5DFA668EED1}" type="slidenum">
               <a:rPr b="0" lang="en-GB" sz="310" spc="-1" strike="noStrike">
                 <a:solidFill>
                   <a:srgbClr val="000000"/>
@@ -3168,7 +2877,7 @@
         <p:spPr>
           <a:xfrm>
             <a:off x="414000" y="8362440"/>
-            <a:ext cx="1917720" cy="613080"/>
+            <a:ext cx="1917000" cy="612360"/>
           </a:xfrm>
           <a:prstGeom prst="rect">
             <a:avLst/>
@@ -3198,6 +2907,232 @@
             </a:r>
             <a:endParaRPr b="0" lang="en-GB" sz="1400" spc="-1" strike="noStrike">
               <a:latin typeface="Times New Roman"/>
+            </a:endParaRPr>
+          </a:p>
+        </p:txBody>
+      </p:sp>
+      <p:sp>
+        <p:nvSpPr>
+          <p:cNvPr id="3" name="PlaceHolder 4"/>
+          <p:cNvSpPr>
+            <a:spLocks noGrp="1"/>
+          </p:cNvSpPr>
+          <p:nvPr>
+            <p:ph type="title"/>
+          </p:nvPr>
+        </p:nvSpPr>
+        <p:spPr>
+          <a:xfrm>
+            <a:off x="414000" y="366120"/>
+            <a:ext cx="7451640" cy="1532520"/>
+          </a:xfrm>
+          <a:prstGeom prst="rect">
+            <a:avLst/>
+          </a:prstGeom>
+          <a:noFill/>
+          <a:ln w="0">
+            <a:noFill/>
+          </a:ln>
+        </p:spPr>
+        <p:txBody>
+          <a:bodyPr lIns="0" rIns="0" tIns="0" bIns="0" anchor="ctr">
+            <a:noAutofit/>
+          </a:bodyPr>
+          <a:p>
+            <a:pPr algn="ctr">
+              <a:buNone/>
+            </a:pPr>
+            <a:r>
+              <a:rPr b="0" lang="en-GB" sz="4400" spc="-1" strike="noStrike">
+                <a:latin typeface="Arial"/>
+              </a:rPr>
+              <a:t>Click to edit the title text format</a:t>
+            </a:r>
+            <a:endParaRPr b="0" lang="en-GB" sz="4400" spc="-1" strike="noStrike">
+              <a:latin typeface="Arial"/>
+            </a:endParaRPr>
+          </a:p>
+        </p:txBody>
+      </p:sp>
+      <p:sp>
+        <p:nvSpPr>
+          <p:cNvPr id="4" name="PlaceHolder 5"/>
+          <p:cNvSpPr>
+            <a:spLocks noGrp="1"/>
+          </p:cNvSpPr>
+          <p:nvPr>
+            <p:ph type="body"/>
+          </p:nvPr>
+        </p:nvSpPr>
+        <p:spPr>
+          <a:xfrm>
+            <a:off x="414000" y="2148120"/>
+            <a:ext cx="7451640" cy="5324040"/>
+          </a:xfrm>
+          <a:prstGeom prst="rect">
+            <a:avLst/>
+          </a:prstGeom>
+          <a:noFill/>
+          <a:ln w="0">
+            <a:noFill/>
+          </a:ln>
+        </p:spPr>
+        <p:txBody>
+          <a:bodyPr lIns="0" rIns="0" tIns="0" bIns="0" anchor="t">
+            <a:normAutofit/>
+          </a:bodyPr>
+          <a:p>
+            <a:pPr marL="432000" indent="-324000">
+              <a:spcBef>
+                <a:spcPts val="1417"/>
+              </a:spcBef>
+              <a:buClr>
+                <a:srgbClr val="000000"/>
+              </a:buClr>
+              <a:buSzPct val="45000"/>
+              <a:buFont typeface="Wingdings" charset="2"/>
+              <a:buChar char=""/>
+            </a:pPr>
+            <a:r>
+              <a:rPr b="0" lang="en-GB" sz="3200" spc="-1" strike="noStrike">
+                <a:latin typeface="Arial"/>
+              </a:rPr>
+              <a:t>Click to edit the outline text format</a:t>
+            </a:r>
+            <a:endParaRPr b="0" lang="en-GB" sz="3200" spc="-1" strike="noStrike">
+              <a:latin typeface="Arial"/>
+            </a:endParaRPr>
+          </a:p>
+          <a:p>
+            <a:pPr lvl="1" marL="864000" indent="-324000">
+              <a:spcBef>
+                <a:spcPts val="1134"/>
+              </a:spcBef>
+              <a:buClr>
+                <a:srgbClr val="000000"/>
+              </a:buClr>
+              <a:buSzPct val="75000"/>
+              <a:buFont typeface="Symbol" charset="2"/>
+              <a:buChar char=""/>
+            </a:pPr>
+            <a:r>
+              <a:rPr b="0" lang="en-GB" sz="2800" spc="-1" strike="noStrike">
+                <a:latin typeface="Arial"/>
+              </a:rPr>
+              <a:t>Second Outline Level</a:t>
+            </a:r>
+            <a:endParaRPr b="0" lang="en-GB" sz="2800" spc="-1" strike="noStrike">
+              <a:latin typeface="Arial"/>
+            </a:endParaRPr>
+          </a:p>
+          <a:p>
+            <a:pPr lvl="2" marL="1296000" indent="-288000">
+              <a:spcBef>
+                <a:spcPts val="850"/>
+              </a:spcBef>
+              <a:buClr>
+                <a:srgbClr val="000000"/>
+              </a:buClr>
+              <a:buSzPct val="45000"/>
+              <a:buFont typeface="Wingdings" charset="2"/>
+              <a:buChar char=""/>
+            </a:pPr>
+            <a:r>
+              <a:rPr b="0" lang="en-GB" sz="2400" spc="-1" strike="noStrike">
+                <a:latin typeface="Arial"/>
+              </a:rPr>
+              <a:t>Third Outline Level</a:t>
+            </a:r>
+            <a:endParaRPr b="0" lang="en-GB" sz="2400" spc="-1" strike="noStrike">
+              <a:latin typeface="Arial"/>
+            </a:endParaRPr>
+          </a:p>
+          <a:p>
+            <a:pPr lvl="3" marL="1728000" indent="-216000">
+              <a:spcBef>
+                <a:spcPts val="567"/>
+              </a:spcBef>
+              <a:buClr>
+                <a:srgbClr val="000000"/>
+              </a:buClr>
+              <a:buSzPct val="75000"/>
+              <a:buFont typeface="Symbol" charset="2"/>
+              <a:buChar char=""/>
+            </a:pPr>
+            <a:r>
+              <a:rPr b="0" lang="en-GB" sz="2000" spc="-1" strike="noStrike">
+                <a:latin typeface="Arial"/>
+              </a:rPr>
+              <a:t>Fourth Outline Level</a:t>
+            </a:r>
+            <a:endParaRPr b="0" lang="en-GB" sz="2000" spc="-1" strike="noStrike">
+              <a:latin typeface="Arial"/>
+            </a:endParaRPr>
+          </a:p>
+          <a:p>
+            <a:pPr lvl="4" marL="2160000" indent="-216000">
+              <a:spcBef>
+                <a:spcPts val="283"/>
+              </a:spcBef>
+              <a:buClr>
+                <a:srgbClr val="000000"/>
+              </a:buClr>
+              <a:buSzPct val="45000"/>
+              <a:buFont typeface="Wingdings" charset="2"/>
+              <a:buChar char=""/>
+            </a:pPr>
+            <a:r>
+              <a:rPr b="0" lang="en-GB" sz="2000" spc="-1" strike="noStrike">
+                <a:latin typeface="Arial"/>
+              </a:rPr>
+              <a:t>Fifth Outline Level</a:t>
+            </a:r>
+            <a:endParaRPr b="0" lang="en-GB" sz="2000" spc="-1" strike="noStrike">
+              <a:latin typeface="Arial"/>
+            </a:endParaRPr>
+          </a:p>
+          <a:p>
+            <a:pPr lvl="5" marL="2592000" indent="-216000">
+              <a:spcBef>
+                <a:spcPts val="283"/>
+              </a:spcBef>
+              <a:buClr>
+                <a:srgbClr val="000000"/>
+              </a:buClr>
+              <a:buSzPct val="45000"/>
+              <a:buFont typeface="Wingdings" charset="2"/>
+              <a:buChar char=""/>
+            </a:pPr>
+            <a:r>
+              <a:rPr b="0" lang="en-GB" sz="2000" spc="-1" strike="noStrike">
+                <a:latin typeface="Arial"/>
+              </a:rPr>
+              <a:t>Sixth Outline Level</a:t>
+            </a:r>
+            <a:endParaRPr b="0" lang="en-GB" sz="2000" spc="-1" strike="noStrike">
+              <a:latin typeface="Arial"/>
+            </a:endParaRPr>
+          </a:p>
+          <a:p>
+            <a:pPr lvl="6" marL="3024000" indent="-216000">
+              <a:spcBef>
+                <a:spcPts val="283"/>
+              </a:spcBef>
+              <a:buClr>
+                <a:srgbClr val="000000"/>
+              </a:buClr>
+              <a:buSzPct val="45000"/>
+              <a:buFont typeface="Wingdings" charset="2"/>
+              <a:buChar char=""/>
+            </a:pPr>
+            <a:r>
+              <a:rPr b="0" lang="en-GB" sz="2000" spc="-1" strike="noStrike">
+                <a:latin typeface="Arial"/>
+              </a:rPr>
+              <a:t>Seventh Outline Level</a:t>
+            </a:r>
+            <a:endParaRPr b="0" lang="en-GB" sz="2000" spc="-1" strike="noStrike">
+              <a:latin typeface="Arial"/>
             </a:endParaRPr>
           </a:p>
         </p:txBody>
@@ -3241,61 +3176,61 @@
       </p:grpSpPr>
       <p:grpSp>
         <p:nvGrpSpPr>
-          <p:cNvPr id="45" name="Group 1"/>
+          <p:cNvPr id="47" name="Group 1"/>
           <p:cNvGrpSpPr/>
           <p:nvPr/>
         </p:nvGrpSpPr>
         <p:grpSpPr>
           <a:xfrm>
             <a:off x="4260600" y="6174720"/>
-            <a:ext cx="3746520" cy="2507760"/>
+            <a:ext cx="3745800" cy="2507040"/>
             <a:chOff x="4260600" y="6174720"/>
-            <a:chExt cx="3746520" cy="2507760"/>
+            <a:chExt cx="3745800" cy="2507040"/>
           </a:xfrm>
         </p:grpSpPr>
         <p:grpSp>
           <p:nvGrpSpPr>
-            <p:cNvPr id="46" name="Group 1"/>
+            <p:cNvPr id="48" name="Group 1"/>
             <p:cNvGrpSpPr/>
             <p:nvPr/>
           </p:nvGrpSpPr>
           <p:grpSpPr>
             <a:xfrm>
               <a:off x="4260600" y="6174720"/>
-              <a:ext cx="3746520" cy="2507760"/>
+              <a:ext cx="3745800" cy="2507040"/>
               <a:chOff x="4260600" y="6174720"/>
-              <a:chExt cx="3746520" cy="2507760"/>
+              <a:chExt cx="3745800" cy="2507040"/>
             </a:xfrm>
           </p:grpSpPr>
           <p:grpSp>
             <p:nvGrpSpPr>
-              <p:cNvPr id="47" name="Group 1"/>
+              <p:cNvPr id="49" name="Group 1"/>
               <p:cNvGrpSpPr/>
               <p:nvPr/>
             </p:nvGrpSpPr>
             <p:grpSpPr>
               <a:xfrm>
                 <a:off x="4260600" y="6516360"/>
-                <a:ext cx="1819800" cy="1777680"/>
+                <a:ext cx="1819080" cy="1776960"/>
                 <a:chOff x="4260600" y="6516360"/>
-                <a:chExt cx="1819800" cy="1777680"/>
+                <a:chExt cx="1819080" cy="1776960"/>
               </a:xfrm>
             </p:grpSpPr>
             <p:pic>
               <p:nvPicPr>
-                <p:cNvPr id="48" name="Picture 12" descr=""/>
+                <p:cNvPr id="50" name="Picture 12" descr=""/>
                 <p:cNvPicPr/>
                 <p:nvPr/>
               </p:nvPicPr>
               <p:blipFill>
                 <a:blip r:embed="rId1"/>
-                <a:srcRect l="15551" t="4623" r="25389" b="4994"/>
+                <a:srcRect l="15547" t="4623" r="25382" b="4994"/>
                 <a:stretch/>
               </p:blipFill>
               <p:spPr>
                 <a:xfrm>
                   <a:off x="4260600" y="6516360"/>
-                  <a:ext cx="1819800" cy="1777680"/>
+                  <a:ext cx="1819080" cy="1776960"/>
                 </a:xfrm>
                 <a:prstGeom prst="rect">
                   <a:avLst/>
@@ -3307,14 +3242,14 @@
             </p:pic>
             <p:sp>
               <p:nvSpPr>
-                <p:cNvPr id="49" name="Oval 17"/>
+                <p:cNvPr id="51" name="Oval 17"/>
                 <p:cNvSpPr/>
                 <p:nvPr/>
               </p:nvSpPr>
               <p:spPr>
                 <a:xfrm>
                   <a:off x="4326840" y="6551640"/>
-                  <a:ext cx="1688760" cy="1704240"/>
+                  <a:ext cx="1688040" cy="1703520"/>
                 </a:xfrm>
                 <a:prstGeom prst="ellipse">
                   <a:avLst/>
@@ -3344,33 +3279,33 @@
           </p:grpSp>
           <p:grpSp>
             <p:nvGrpSpPr>
-              <p:cNvPr id="50" name="Group 18"/>
+              <p:cNvPr id="52" name="Group 18"/>
               <p:cNvGrpSpPr/>
               <p:nvPr/>
             </p:nvGrpSpPr>
             <p:grpSpPr>
               <a:xfrm>
                 <a:off x="6213600" y="6551640"/>
-                <a:ext cx="1793520" cy="1742400"/>
+                <a:ext cx="1792800" cy="1741680"/>
                 <a:chOff x="6213600" y="6551640"/>
-                <a:chExt cx="1793520" cy="1742400"/>
+                <a:chExt cx="1792800" cy="1741680"/>
               </a:xfrm>
             </p:grpSpPr>
             <p:pic>
               <p:nvPicPr>
-                <p:cNvPr id="51" name="Picture 13" descr=""/>
+                <p:cNvPr id="53" name="Picture 13" descr=""/>
                 <p:cNvPicPr/>
                 <p:nvPr/>
               </p:nvPicPr>
               <p:blipFill>
                 <a:blip r:embed="rId2"/>
-                <a:srcRect l="8329" t="5239" r="21547" b="4379"/>
+                <a:srcRect l="8329" t="5239" r="21543" b="4379"/>
                 <a:stretch/>
               </p:blipFill>
               <p:spPr>
                 <a:xfrm>
                   <a:off x="6213600" y="6551640"/>
-                  <a:ext cx="1793520" cy="1742400"/>
+                  <a:ext cx="1792800" cy="1741680"/>
                 </a:xfrm>
                 <a:prstGeom prst="rect">
                   <a:avLst/>
@@ -3382,14 +3317,14 @@
             </p:pic>
             <p:sp>
               <p:nvSpPr>
-                <p:cNvPr id="52" name="Oval 25"/>
+                <p:cNvPr id="54" name="Oval 25"/>
                 <p:cNvSpPr/>
                 <p:nvPr/>
               </p:nvSpPr>
               <p:spPr>
                 <a:xfrm>
                   <a:off x="6252840" y="6551640"/>
-                  <a:ext cx="1703160" cy="1714680"/>
+                  <a:ext cx="1702440" cy="1713960"/>
                 </a:xfrm>
                 <a:prstGeom prst="ellipse">
                   <a:avLst/>
@@ -3420,14 +3355,14 @@
           </p:grpSp>
           <p:sp>
             <p:nvSpPr>
-              <p:cNvPr id="53" name="TextBox 8"/>
+              <p:cNvPr id="55" name="TextBox 8"/>
               <p:cNvSpPr/>
               <p:nvPr/>
             </p:nvSpPr>
             <p:spPr>
               <a:xfrm>
                 <a:off x="5507280" y="6174720"/>
-                <a:ext cx="1335960" cy="253080"/>
+                <a:ext cx="1335240" cy="253080"/>
               </a:xfrm>
               <a:prstGeom prst="rect">
                 <a:avLst/>
@@ -3472,14 +3407,14 @@
           </p:sp>
           <p:sp>
             <p:nvSpPr>
-              <p:cNvPr id="54" name="TextBox 8"/>
+              <p:cNvPr id="56" name="TextBox 8"/>
               <p:cNvSpPr/>
               <p:nvPr/>
             </p:nvSpPr>
             <p:spPr>
               <a:xfrm>
                 <a:off x="5052960" y="8254800"/>
-                <a:ext cx="226440" cy="163440"/>
+                <a:ext cx="225720" cy="163080"/>
               </a:xfrm>
               <a:prstGeom prst="rect">
                 <a:avLst/>
@@ -3524,14 +3459,14 @@
           </p:sp>
           <p:sp>
             <p:nvSpPr>
-              <p:cNvPr id="55" name="TextBox 13"/>
+              <p:cNvPr id="57" name="TextBox 13"/>
               <p:cNvSpPr/>
               <p:nvPr/>
             </p:nvSpPr>
             <p:spPr>
               <a:xfrm>
                 <a:off x="7023600" y="8254800"/>
-                <a:ext cx="270720" cy="163440"/>
+                <a:ext cx="270000" cy="163080"/>
               </a:xfrm>
               <a:prstGeom prst="rect">
                 <a:avLst/>
@@ -3576,19 +3511,19 @@
           </p:sp>
           <p:pic>
             <p:nvPicPr>
-              <p:cNvPr id="56" name="Picture 23" descr=""/>
+              <p:cNvPr id="58" name="Picture 23" descr=""/>
               <p:cNvPicPr/>
               <p:nvPr/>
             </p:nvPicPr>
             <p:blipFill>
               <a:blip r:embed="rId3"/>
-              <a:srcRect l="52782" t="17019" r="0" b="71354"/>
+              <a:srcRect l="52769" t="17019" r="0" b="71332"/>
               <a:stretch/>
             </p:blipFill>
             <p:spPr>
               <a:xfrm>
                 <a:off x="4357080" y="8489880"/>
-                <a:ext cx="1318680" cy="192600"/>
+                <a:ext cx="1317960" cy="191880"/>
               </a:xfrm>
               <a:prstGeom prst="rect">
                 <a:avLst/>
@@ -3600,19 +3535,19 @@
           </p:pic>
           <p:pic>
             <p:nvPicPr>
-              <p:cNvPr id="57" name="Picture 24" descr=""/>
+              <p:cNvPr id="59" name="Picture 24" descr=""/>
               <p:cNvPicPr/>
               <p:nvPr/>
             </p:nvPicPr>
             <p:blipFill>
               <a:blip r:embed="rId4"/>
-              <a:srcRect l="52782" t="28357" r="0" b="63962"/>
+              <a:srcRect l="52769" t="28346" r="0" b="63940"/>
               <a:stretch/>
             </p:blipFill>
             <p:spPr>
               <a:xfrm>
                 <a:off x="4938480" y="8547480"/>
-                <a:ext cx="1318680" cy="125640"/>
+                <a:ext cx="1317960" cy="124920"/>
               </a:xfrm>
               <a:prstGeom prst="rect">
                 <a:avLst/>
@@ -3624,19 +3559,19 @@
           </p:pic>
           <p:pic>
             <p:nvPicPr>
-              <p:cNvPr id="58" name="Picture 25" descr=""/>
+              <p:cNvPr id="60" name="Picture 25" descr=""/>
               <p:cNvPicPr/>
               <p:nvPr/>
             </p:nvPicPr>
             <p:blipFill>
               <a:blip r:embed="rId5"/>
-              <a:srcRect l="53015" t="54202" r="-236" b="38117"/>
+              <a:srcRect l="53002" t="54180" r="-236" b="38106"/>
               <a:stretch/>
             </p:blipFill>
             <p:spPr>
               <a:xfrm>
                 <a:off x="6509520" y="8547120"/>
-                <a:ext cx="1318680" cy="125640"/>
+                <a:ext cx="1317960" cy="124920"/>
               </a:xfrm>
               <a:prstGeom prst="rect">
                 <a:avLst/>
@@ -3648,19 +3583,19 @@
           </p:pic>
           <p:pic>
             <p:nvPicPr>
-              <p:cNvPr id="59" name="Picture 26" descr=""/>
+              <p:cNvPr id="61" name="Picture 26" descr=""/>
               <p:cNvPicPr/>
               <p:nvPr/>
             </p:nvPicPr>
             <p:blipFill>
               <a:blip r:embed="rId6"/>
-              <a:srcRect l="51371" t="71321" r="18346" b="20937"/>
+              <a:srcRect l="51358" t="71298" r="18340" b="20926"/>
               <a:stretch/>
             </p:blipFill>
             <p:spPr>
               <a:xfrm>
                 <a:off x="7131240" y="8542800"/>
-                <a:ext cx="843840" cy="126720"/>
+                <a:ext cx="843120" cy="126000"/>
               </a:xfrm>
               <a:prstGeom prst="rect">
                 <a:avLst/>
@@ -3672,19 +3607,19 @@
           </p:pic>
           <p:pic>
             <p:nvPicPr>
-              <p:cNvPr id="60" name="Picture 27" descr=""/>
+              <p:cNvPr id="62" name="Picture 27" descr=""/>
               <p:cNvPicPr/>
               <p:nvPr/>
             </p:nvPicPr>
             <p:blipFill>
               <a:blip r:embed="rId7"/>
-              <a:srcRect l="57086" t="44556" r="0" b="46509"/>
+              <a:srcRect l="57073" t="44556" r="0" b="46509"/>
               <a:stretch/>
             </p:blipFill>
             <p:spPr>
               <a:xfrm>
                 <a:off x="5818320" y="8525520"/>
-                <a:ext cx="780480" cy="151920"/>
+                <a:ext cx="779760" cy="151200"/>
               </a:xfrm>
               <a:prstGeom prst="rect">
                 <a:avLst/>
@@ -3696,7 +3631,7 @@
           </p:pic>
           <p:sp>
             <p:nvSpPr>
-              <p:cNvPr id="61" name="Straight Connector 28"/>
+              <p:cNvPr id="63" name="Straight Connector 28"/>
               <p:cNvSpPr/>
               <p:nvPr/>
             </p:nvSpPr>
@@ -3729,7 +3664,7 @@
           </p:sp>
           <p:sp>
             <p:nvSpPr>
-              <p:cNvPr id="62" name="Straight Connector 30"/>
+              <p:cNvPr id="64" name="Straight Connector 30"/>
               <p:cNvSpPr/>
               <p:nvPr/>
             </p:nvSpPr>
@@ -3762,7 +3697,7 @@
           </p:sp>
           <p:sp>
             <p:nvSpPr>
-              <p:cNvPr id="63" name="Straight Connector 31"/>
+              <p:cNvPr id="65" name="Straight Connector 31"/>
               <p:cNvSpPr/>
               <p:nvPr/>
             </p:nvSpPr>
@@ -3795,7 +3730,7 @@
           </p:sp>
           <p:sp>
             <p:nvSpPr>
-              <p:cNvPr id="64" name="Straight Connector 32"/>
+              <p:cNvPr id="66" name="Straight Connector 32"/>
               <p:cNvSpPr/>
               <p:nvPr/>
             </p:nvSpPr>
@@ -3828,7 +3763,7 @@
           </p:sp>
           <p:sp>
             <p:nvSpPr>
-              <p:cNvPr id="65" name="Straight Connector 33"/>
+              <p:cNvPr id="67" name="Straight Connector 33"/>
               <p:cNvSpPr/>
               <p:nvPr/>
             </p:nvSpPr>
@@ -3862,14 +3797,14 @@
         </p:grpSp>
         <p:sp>
           <p:nvSpPr>
-            <p:cNvPr id="66" name="Oval 1"/>
+            <p:cNvPr id="68" name="Oval 1"/>
             <p:cNvSpPr/>
             <p:nvPr/>
           </p:nvSpPr>
           <p:spPr>
             <a:xfrm>
               <a:off x="5104080" y="6944040"/>
-              <a:ext cx="144360" cy="477360"/>
+              <a:ext cx="143640" cy="476640"/>
             </a:xfrm>
             <a:prstGeom prst="ellipse">
               <a:avLst/>
@@ -3899,7 +3834,7 @@
         </p:sp>
         <p:sp>
           <p:nvSpPr>
-            <p:cNvPr id="67" name="Straight Connector 4"/>
+            <p:cNvPr id="69" name="Straight Connector 4"/>
             <p:cNvSpPr/>
             <p:nvPr/>
           </p:nvSpPr>
@@ -3933,7 +3868,7 @@
         </p:sp>
         <p:sp>
           <p:nvSpPr>
-            <p:cNvPr id="68" name="Straight Connector 4"/>
+            <p:cNvPr id="70" name="Straight Connector 4"/>
             <p:cNvSpPr/>
             <p:nvPr/>
           </p:nvSpPr>
@@ -3968,7 +3903,7 @@
       </p:grpSp>
       <p:pic>
         <p:nvPicPr>
-          <p:cNvPr id="69" name="Picture 4" descr=""/>
+          <p:cNvPr id="71" name="Picture 4" descr=""/>
           <p:cNvPicPr/>
           <p:nvPr/>
         </p:nvPicPr>
@@ -3980,7 +3915,7 @@
         <p:spPr>
           <a:xfrm>
             <a:off x="2328840" y="229320"/>
-            <a:ext cx="3728880" cy="568080"/>
+            <a:ext cx="3728160" cy="567360"/>
           </a:xfrm>
           <a:prstGeom prst="rect">
             <a:avLst/>
@@ -3992,21 +3927,21 @@
       </p:pic>
       <p:grpSp>
         <p:nvGrpSpPr>
-          <p:cNvPr id="70" name="Group 5"/>
+          <p:cNvPr id="72" name="Group 5"/>
           <p:cNvGrpSpPr/>
           <p:nvPr/>
         </p:nvGrpSpPr>
         <p:grpSpPr>
           <a:xfrm>
             <a:off x="344160" y="6104160"/>
-            <a:ext cx="3769200" cy="2745720"/>
+            <a:ext cx="3768480" cy="2745000"/>
             <a:chOff x="344160" y="6104160"/>
-            <a:chExt cx="3769200" cy="2745720"/>
+            <a:chExt cx="3768480" cy="2745000"/>
           </a:xfrm>
         </p:grpSpPr>
         <p:pic>
           <p:nvPicPr>
-            <p:cNvPr id="71" name="Picture 70" descr=""/>
+            <p:cNvPr id="73" name="Picture 70" descr=""/>
             <p:cNvPicPr/>
             <p:nvPr/>
           </p:nvPicPr>
@@ -4017,7 +3952,7 @@
           <p:spPr>
             <a:xfrm>
               <a:off x="344160" y="6365880"/>
-              <a:ext cx="3769200" cy="2484000"/>
+              <a:ext cx="3768480" cy="2483280"/>
             </a:xfrm>
             <a:prstGeom prst="rect">
               <a:avLst/>
@@ -4029,14 +3964,14 @@
         </p:pic>
         <p:sp>
           <p:nvSpPr>
-            <p:cNvPr id="72" name="TextBox 8"/>
+            <p:cNvPr id="74" name="TextBox 8"/>
             <p:cNvSpPr/>
             <p:nvPr/>
           </p:nvSpPr>
           <p:spPr>
             <a:xfrm>
               <a:off x="1774080" y="6104160"/>
-              <a:ext cx="1232280" cy="253080"/>
+              <a:ext cx="1231560" cy="253080"/>
             </a:xfrm>
             <a:prstGeom prst="rect">
               <a:avLst/>
@@ -4082,28 +4017,28 @@
       </p:grpSp>
       <p:grpSp>
         <p:nvGrpSpPr>
-          <p:cNvPr id="73" name="Group 2"/>
+          <p:cNvPr id="75" name="Group 2"/>
           <p:cNvGrpSpPr/>
           <p:nvPr/>
         </p:nvGrpSpPr>
         <p:grpSpPr>
           <a:xfrm>
             <a:off x="370440" y="5583600"/>
-            <a:ext cx="4024080" cy="385560"/>
+            <a:ext cx="4023360" cy="385560"/>
             <a:chOff x="370440" y="5583600"/>
-            <a:chExt cx="4024080" cy="385560"/>
+            <a:chExt cx="4023360" cy="385560"/>
           </a:xfrm>
         </p:grpSpPr>
         <p:sp>
           <p:nvSpPr>
-            <p:cNvPr id="74" name="TextBox 8"/>
+            <p:cNvPr id="76" name="TextBox 8"/>
             <p:cNvSpPr/>
             <p:nvPr/>
           </p:nvSpPr>
           <p:spPr>
             <a:xfrm>
               <a:off x="370440" y="5583600"/>
-              <a:ext cx="243360" cy="385560"/>
+              <a:ext cx="242640" cy="385560"/>
             </a:xfrm>
             <a:prstGeom prst="rect">
               <a:avLst/>
@@ -4148,14 +4083,14 @@
         </p:sp>
         <p:sp>
           <p:nvSpPr>
-            <p:cNvPr id="75" name="TextBox 8"/>
+            <p:cNvPr id="77" name="TextBox 8"/>
             <p:cNvSpPr/>
             <p:nvPr/>
           </p:nvSpPr>
           <p:spPr>
             <a:xfrm>
               <a:off x="4168080" y="5583600"/>
-              <a:ext cx="226440" cy="385560"/>
+              <a:ext cx="225720" cy="385560"/>
             </a:xfrm>
             <a:prstGeom prst="rect">
               <a:avLst/>
@@ -4201,14 +4136,14 @@
       </p:grpSp>
       <p:sp>
         <p:nvSpPr>
-          <p:cNvPr id="76" name="Right Arrow 7"/>
+          <p:cNvPr id="78" name="Right Arrow 7"/>
           <p:cNvSpPr/>
           <p:nvPr/>
         </p:nvSpPr>
         <p:spPr>
           <a:xfrm rot="19933800">
-            <a:off x="6735240" y="7341480"/>
-            <a:ext cx="321120" cy="124560"/>
+            <a:off x="6734880" y="7341120"/>
+            <a:ext cx="320400" cy="123840"/>
           </a:xfrm>
           <a:prstGeom prst="rightArrow">
             <a:avLst>
@@ -4242,21 +4177,21 @@
       </p:sp>
       <p:grpSp>
         <p:nvGrpSpPr>
-          <p:cNvPr id="77" name="Group 6"/>
+          <p:cNvPr id="79" name="Group 6"/>
           <p:cNvGrpSpPr/>
           <p:nvPr/>
         </p:nvGrpSpPr>
         <p:grpSpPr>
           <a:xfrm>
             <a:off x="384840" y="3322800"/>
-            <a:ext cx="7481160" cy="1905480"/>
+            <a:ext cx="7480440" cy="1904760"/>
             <a:chOff x="384840" y="3322800"/>
-            <a:chExt cx="7481160" cy="1905480"/>
+            <a:chExt cx="7480440" cy="1904760"/>
           </a:xfrm>
         </p:grpSpPr>
         <p:pic>
           <p:nvPicPr>
-            <p:cNvPr id="78" name="Picture 3" descr=""/>
+            <p:cNvPr id="80" name="Picture 3" descr=""/>
             <p:cNvPicPr/>
             <p:nvPr/>
           </p:nvPicPr>
@@ -4267,7 +4202,7 @@
           <p:spPr>
             <a:xfrm>
               <a:off x="414000" y="3406680"/>
-              <a:ext cx="7452000" cy="1821600"/>
+              <a:ext cx="7451280" cy="1820880"/>
             </a:xfrm>
             <a:prstGeom prst="rect">
               <a:avLst/>
@@ -4279,14 +4214,14 @@
         </p:pic>
         <p:sp>
           <p:nvSpPr>
-            <p:cNvPr id="79" name="TextBox 8"/>
+            <p:cNvPr id="81" name="TextBox 8"/>
             <p:cNvSpPr/>
             <p:nvPr/>
           </p:nvSpPr>
           <p:spPr>
             <a:xfrm>
               <a:off x="384840" y="3325680"/>
-              <a:ext cx="260280" cy="385560"/>
+              <a:ext cx="259560" cy="385560"/>
             </a:xfrm>
             <a:prstGeom prst="rect">
               <a:avLst/>
@@ -4331,14 +4266,14 @@
         </p:sp>
         <p:sp>
           <p:nvSpPr>
-            <p:cNvPr id="80" name="TextBox 8"/>
+            <p:cNvPr id="82" name="TextBox 8"/>
             <p:cNvSpPr/>
             <p:nvPr/>
           </p:nvSpPr>
           <p:spPr>
             <a:xfrm>
               <a:off x="4141440" y="3322800"/>
-              <a:ext cx="260280" cy="385560"/>
+              <a:ext cx="259560" cy="385560"/>
             </a:xfrm>
             <a:prstGeom prst="rect">
               <a:avLst/>
@@ -4384,21 +4319,21 @@
       </p:grpSp>
       <p:grpSp>
         <p:nvGrpSpPr>
-          <p:cNvPr id="81" name="Group 8"/>
+          <p:cNvPr id="83" name="Group 8"/>
           <p:cNvGrpSpPr/>
           <p:nvPr/>
         </p:nvGrpSpPr>
         <p:grpSpPr>
           <a:xfrm>
             <a:off x="370800" y="1146240"/>
-            <a:ext cx="7488720" cy="1904760"/>
+            <a:ext cx="7488000" cy="1904040"/>
             <a:chOff x="370800" y="1146240"/>
-            <a:chExt cx="7488720" cy="1904760"/>
+            <a:chExt cx="7488000" cy="1904040"/>
           </a:xfrm>
         </p:grpSpPr>
         <p:pic>
           <p:nvPicPr>
-            <p:cNvPr id="82" name="Picture 1" descr=""/>
+            <p:cNvPr id="84" name="Picture 1" descr=""/>
             <p:cNvPicPr/>
             <p:nvPr/>
           </p:nvPicPr>
@@ -4409,7 +4344,7 @@
           <p:spPr>
             <a:xfrm>
               <a:off x="389160" y="1265760"/>
-              <a:ext cx="7470360" cy="1785240"/>
+              <a:ext cx="7469640" cy="1784520"/>
             </a:xfrm>
             <a:prstGeom prst="rect">
               <a:avLst/>
@@ -4421,14 +4356,14 @@
         </p:pic>
         <p:sp>
           <p:nvSpPr>
-            <p:cNvPr id="83" name="TextBox 8"/>
+            <p:cNvPr id="85" name="TextBox 8"/>
             <p:cNvSpPr/>
             <p:nvPr/>
           </p:nvSpPr>
           <p:spPr>
             <a:xfrm>
               <a:off x="370800" y="1146240"/>
-              <a:ext cx="260280" cy="385560"/>
+              <a:ext cx="259560" cy="385560"/>
             </a:xfrm>
             <a:prstGeom prst="rect">
               <a:avLst/>
@@ -4473,14 +4408,14 @@
         </p:sp>
         <p:sp>
           <p:nvSpPr>
-            <p:cNvPr id="84" name="TextBox 8"/>
+            <p:cNvPr id="86" name="TextBox 8"/>
             <p:cNvSpPr/>
             <p:nvPr/>
           </p:nvSpPr>
           <p:spPr>
             <a:xfrm>
               <a:off x="4168800" y="1146240"/>
-              <a:ext cx="260280" cy="385560"/>
+              <a:ext cx="259560" cy="385560"/>
             </a:xfrm>
             <a:prstGeom prst="rect">
               <a:avLst/>
@@ -4526,7 +4461,7 @@
       </p:grpSp>
       <p:sp>
         <p:nvSpPr>
-          <p:cNvPr id="85" name="Straight Connector 33"/>
+          <p:cNvPr id="87" name="Straight Connector 33"/>
           <p:cNvSpPr/>
           <p:nvPr/>
         </p:nvSpPr>
@@ -4559,14 +4494,14 @@
       </p:sp>
       <p:sp>
         <p:nvSpPr>
-          <p:cNvPr id="86" name="Oval 43"/>
+          <p:cNvPr id="88" name="Oval 43"/>
           <p:cNvSpPr/>
           <p:nvPr/>
         </p:nvSpPr>
         <p:spPr>
           <a:xfrm>
             <a:off x="1261800" y="4958640"/>
-            <a:ext cx="737640" cy="298080"/>
+            <a:ext cx="736920" cy="297360"/>
           </a:xfrm>
           <a:prstGeom prst="ellipse">
             <a:avLst/>
@@ -4595,14 +4530,14 @@
       </p:sp>
       <p:sp>
         <p:nvSpPr>
-          <p:cNvPr id="87" name="Oval 68"/>
+          <p:cNvPr id="89" name="Oval 68"/>
           <p:cNvSpPr/>
           <p:nvPr/>
         </p:nvSpPr>
         <p:spPr>
           <a:xfrm>
             <a:off x="4938480" y="4973760"/>
-            <a:ext cx="737640" cy="298080"/>
+            <a:ext cx="736920" cy="297360"/>
           </a:xfrm>
           <a:prstGeom prst="ellipse">
             <a:avLst/>
